--- a/assets/reports/20201112_LossFunction.pptx
+++ b/assets/reports/20201112_LossFunction.pptx
@@ -217,7 +217,7 @@
           <a:p>
             <a:fld id="{B4F92756-C5E1-414C-8D5B-61B7E77715E2}" type="datetimeFigureOut">
               <a:rPr lang="en-US" smtClean="0"/>
-              <a:t>11/12/2020</a:t>
+              <a:t>11/19/2020</a:t>
             </a:fld>
             <a:endParaRPr lang="en-US"/>
           </a:p>
@@ -387,7 +387,7 @@
           <a:p>
             <a:fld id="{DBA1148A-302C-4EB9-A1FB-86FEBAF3649D}" type="datetimeFigureOut">
               <a:rPr lang="en-US" smtClean="0"/>
-              <a:t>11/12/2020</a:t>
+              <a:t>11/19/2020</a:t>
             </a:fld>
             <a:endParaRPr lang="en-US"/>
           </a:p>
@@ -930,7 +930,7 @@
           <a:p>
             <a:fld id="{D297983E-23AF-46F8-876A-BC580C1FAACC}" type="datetime1">
               <a:rPr lang="en-US" smtClean="0"/>
-              <a:t>11/12/2020</a:t>
+              <a:t>11/19/2020</a:t>
             </a:fld>
             <a:endParaRPr lang="en-US"/>
           </a:p>
@@ -1126,7 +1126,7 @@
           <a:p>
             <a:fld id="{52A45906-4D2D-4E18-B9FE-9E3145B39EAE}" type="datetime1">
               <a:rPr lang="en-US" smtClean="0"/>
-              <a:t>11/12/2020</a:t>
+              <a:t>11/19/2020</a:t>
             </a:fld>
             <a:endParaRPr lang="en-US"/>
           </a:p>
@@ -7440,7 +7440,7 @@
           <a:p>
             <a:fld id="{456A3C91-B8C5-425F-9BFC-06B81986C584}" type="datetime1">
               <a:rPr lang="en-US" smtClean="0"/>
-              <a:t>11/12/2020</a:t>
+              <a:t>11/19/2020</a:t>
             </a:fld>
             <a:endParaRPr lang="en-US"/>
           </a:p>
@@ -8728,7 +8728,7 @@
           <a:p>
             <a:fld id="{A9D1A30E-DE6B-4770-8757-4DEC6351863C}" type="datetime1">
               <a:rPr lang="en-US" smtClean="0"/>
-              <a:t>11/12/2020</a:t>
+              <a:t>11/19/2020</a:t>
             </a:fld>
             <a:endParaRPr lang="en-US" dirty="0"/>
           </a:p>
@@ -9111,7 +9111,7 @@
           <a:p>
             <a:fld id="{71060DF7-3B66-43F4-ABA6-8DE1125C1915}" type="datetime1">
               <a:rPr lang="en-US" smtClean="0"/>
-              <a:t>11/12/2020</a:t>
+              <a:t>11/19/2020</a:t>
             </a:fld>
             <a:endParaRPr lang="en-US"/>
           </a:p>
@@ -9245,7 +9245,7 @@
           <a:p>
             <a:fld id="{9F8FB16D-8B03-47E2-9BF4-98200CBA3CA6}" type="datetime1">
               <a:rPr lang="en-US" smtClean="0"/>
-              <a:t>11/12/2020</a:t>
+              <a:t>11/19/2020</a:t>
             </a:fld>
             <a:endParaRPr lang="en-US"/>
           </a:p>
@@ -9356,7 +9356,7 @@
           <a:p>
             <a:fld id="{A7875D1E-13AE-46BB-8C89-5C78B94C366E}" type="datetime1">
               <a:rPr lang="en-US" smtClean="0"/>
-              <a:t>11/12/2020</a:t>
+              <a:t>11/19/2020</a:t>
             </a:fld>
             <a:endParaRPr lang="en-US"/>
           </a:p>
@@ -9649,7 +9649,7 @@
           <a:p>
             <a:fld id="{296CB1A1-10B4-4A56-9A36-6D445BD9D6E5}" type="datetime1">
               <a:rPr lang="en-US" smtClean="0"/>
-              <a:t>11/12/2020</a:t>
+              <a:t>11/19/2020</a:t>
             </a:fld>
             <a:endParaRPr lang="en-US"/>
           </a:p>
@@ -9922,7 +9922,7 @@
           <a:p>
             <a:fld id="{ED2AB522-E6A2-4B46-A750-7AF9600B9FCE}" type="datetime1">
               <a:rPr lang="en-US" smtClean="0"/>
-              <a:t>11/12/2020</a:t>
+              <a:t>11/19/2020</a:t>
             </a:fld>
             <a:endParaRPr lang="en-US"/>
           </a:p>
@@ -11127,11 +11127,6 @@
               </a:rPr>
               <a:t>2020.11.12</a:t>
             </a:r>
-            <a:endParaRPr lang="en-US" dirty="0" smtClean="0">
-              <a:latin typeface="Tahoma" panose="020B0604030504040204" pitchFamily="34" charset="0"/>
-              <a:ea typeface="Tahoma" panose="020B0604030504040204" pitchFamily="34" charset="0"/>
-              <a:cs typeface="Tahoma" panose="020B0604030504040204" pitchFamily="34" charset="0"/>
-            </a:endParaRPr>
           </a:p>
           <a:p>
             <a:r>
@@ -11515,14 +11510,6 @@
               </a:rPr>
               <a:t>Some results (edges only)</a:t>
             </a:r>
-            <a:endParaRPr lang="en-US" sz="2400" dirty="0" smtClean="0">
-              <a:solidFill>
-                <a:srgbClr val="002060"/>
-              </a:solidFill>
-              <a:latin typeface="Tahoma" panose="020B0604030504040204" pitchFamily="34" charset="0"/>
-              <a:ea typeface="Tahoma" panose="020B0604030504040204" pitchFamily="34" charset="0"/>
-              <a:cs typeface="Tahoma" panose="020B0604030504040204" pitchFamily="34" charset="0"/>
-            </a:endParaRPr>
           </a:p>
           <a:p>
             <a:endParaRPr lang="en-US" dirty="0">
@@ -11927,14 +11914,6 @@
               </a:rPr>
               <a:t>Some results (edges only)</a:t>
             </a:r>
-            <a:endParaRPr lang="en-US" sz="2400" dirty="0" smtClean="0">
-              <a:solidFill>
-                <a:srgbClr val="002060"/>
-              </a:solidFill>
-              <a:latin typeface="Tahoma" panose="020B0604030504040204" pitchFamily="34" charset="0"/>
-              <a:ea typeface="Tahoma" panose="020B0604030504040204" pitchFamily="34" charset="0"/>
-              <a:cs typeface="Tahoma" panose="020B0604030504040204" pitchFamily="34" charset="0"/>
-            </a:endParaRPr>
           </a:p>
           <a:p>
             <a:endParaRPr lang="en-US" dirty="0">
@@ -12566,14 +12545,6 @@
               </a:rPr>
               <a:t>?</a:t>
             </a:r>
-            <a:endParaRPr lang="en-US" sz="2400" dirty="0" smtClean="0">
-              <a:solidFill>
-                <a:srgbClr val="002060"/>
-              </a:solidFill>
-              <a:latin typeface="Tahoma" panose="020B0604030504040204" pitchFamily="34" charset="0"/>
-              <a:ea typeface="Tahoma" panose="020B0604030504040204" pitchFamily="34" charset="0"/>
-              <a:cs typeface="Tahoma" panose="020B0604030504040204" pitchFamily="34" charset="0"/>
-            </a:endParaRPr>
           </a:p>
           <a:p>
             <a:endParaRPr lang="en-US" dirty="0">
@@ -13223,14 +13194,6 @@
               </a:rPr>
               <a:t>Previously</a:t>
             </a:r>
-            <a:endParaRPr lang="en-US" sz="3200" dirty="0" smtClean="0">
-              <a:solidFill>
-                <a:srgbClr val="002060"/>
-              </a:solidFill>
-              <a:latin typeface="Tahoma" panose="020B0604030504040204" pitchFamily="34" charset="0"/>
-              <a:ea typeface="Tahoma" panose="020B0604030504040204" pitchFamily="34" charset="0"/>
-              <a:cs typeface="Tahoma" panose="020B0604030504040204" pitchFamily="34" charset="0"/>
-            </a:endParaRPr>
           </a:p>
           <a:p>
             <a:endParaRPr lang="en-US" altLang="zh-CN" sz="2800" dirty="0" smtClean="0">
@@ -13333,18 +13296,7 @@
                 <a:ea typeface="Tahoma" panose="020B0604030504040204" pitchFamily="34" charset="0"/>
                 <a:cs typeface="Tahoma" panose="020B0604030504040204" pitchFamily="34" charset="0"/>
               </a:rPr>
-              <a:t>Next </a:t>
-            </a:r>
-            <a:r>
-              <a:rPr lang="en-US" sz="3200" dirty="0" smtClean="0">
-                <a:solidFill>
-                  <a:srgbClr val="002060"/>
-                </a:solidFill>
-                <a:latin typeface="Tahoma" panose="020B0604030504040204" pitchFamily="34" charset="0"/>
-                <a:ea typeface="Tahoma" panose="020B0604030504040204" pitchFamily="34" charset="0"/>
-                <a:cs typeface="Tahoma" panose="020B0604030504040204" pitchFamily="34" charset="0"/>
-              </a:rPr>
-              <a:t>Steps</a:t>
+              <a:t>Next Steps</a:t>
             </a:r>
           </a:p>
           <a:p>
@@ -13599,8 +13551,8 @@
           </a:p>
         </p:txBody>
       </p:sp>
-      <mc:AlternateContent xmlns:mc="http://schemas.openxmlformats.org/markup-compatibility/2006">
-        <mc:Choice xmlns:a14="http://schemas.microsoft.com/office/drawing/2010/main" Requires="a14">
+      <mc:AlternateContent xmlns:mc="http://schemas.openxmlformats.org/markup-compatibility/2006" xmlns:a14="http://schemas.microsoft.com/office/drawing/2010/main">
+        <mc:Choice Requires="a14">
           <p:sp>
             <p:nvSpPr>
               <p:cNvPr id="9" name="TextBox 8"/>
@@ -14383,7 +14335,7 @@
             </p:txBody>
           </p:sp>
         </mc:Choice>
-        <mc:Fallback>
+        <mc:Fallback xmlns="">
           <p:sp>
             <p:nvSpPr>
               <p:cNvPr id="9" name="TextBox 8"/>
@@ -15506,8 +15458,8 @@
           </a:p>
         </p:txBody>
       </p:sp>
-      <mc:AlternateContent xmlns:mc="http://schemas.openxmlformats.org/markup-compatibility/2006">
-        <mc:Choice xmlns:a14="http://schemas.microsoft.com/office/drawing/2010/main" Requires="a14">
+      <mc:AlternateContent xmlns:mc="http://schemas.openxmlformats.org/markup-compatibility/2006" xmlns:a14="http://schemas.microsoft.com/office/drawing/2010/main">
+        <mc:Choice Requires="a14">
           <p:sp>
             <p:nvSpPr>
               <p:cNvPr id="9" name="TextBox 8"/>
@@ -15539,18 +15491,7 @@
                     <a:ea typeface="Tahoma" panose="020B0604030504040204" pitchFamily="34" charset="0"/>
                     <a:cs typeface="Tahoma" panose="020B0604030504040204" pitchFamily="34" charset="0"/>
                   </a:rPr>
-                  <a:t>Base:</a:t>
-                </a:r>
-                <a:r>
-                  <a:rPr lang="en-US" sz="2400" dirty="0" smtClean="0">
-                    <a:solidFill>
-                      <a:srgbClr val="002060"/>
-                    </a:solidFill>
-                    <a:latin typeface="Tahoma" panose="020B0604030504040204" pitchFamily="34" charset="0"/>
-                    <a:ea typeface="Tahoma" panose="020B0604030504040204" pitchFamily="34" charset="0"/>
-                    <a:cs typeface="Tahoma" panose="020B0604030504040204" pitchFamily="34" charset="0"/>
-                  </a:rPr>
-                  <a:t> Cross Entropy</a:t>
+                  <a:t>Base: Cross Entropy</a:t>
                 </a:r>
               </a:p>
               <a:p>
@@ -16208,14 +16149,6 @@
                   </a:rPr>
                   <a:t>d(x): distance to the nearest building</a:t>
                 </a:r>
-                <a:endParaRPr lang="en-US" sz="2000" i="1" dirty="0" smtClean="0">
-                  <a:solidFill>
-                    <a:srgbClr val="002060"/>
-                  </a:solidFill>
-                  <a:latin typeface="Tahoma" panose="020B0604030504040204" pitchFamily="34" charset="0"/>
-                  <a:ea typeface="Tahoma" panose="020B0604030504040204" pitchFamily="34" charset="0"/>
-                  <a:cs typeface="Tahoma" panose="020B0604030504040204" pitchFamily="34" charset="0"/>
-                </a:endParaRPr>
               </a:p>
               <a:p>
                 <a:endParaRPr lang="en-US" dirty="0" smtClean="0">
@@ -16790,7 +16723,7 @@
             </p:txBody>
           </p:sp>
         </mc:Choice>
-        <mc:Fallback>
+        <mc:Fallback xmlns="">
           <p:sp>
             <p:nvSpPr>
               <p:cNvPr id="9" name="TextBox 8"/>
@@ -16907,6 +16840,48 @@
           </a:prstGeom>
         </p:spPr>
       </p:pic>
+      <p:sp>
+        <p:nvSpPr>
+          <p:cNvPr id="10" name="TextBox 9"/>
+          <p:cNvSpPr txBox="1"/>
+          <p:nvPr/>
+        </p:nvSpPr>
+        <p:spPr>
+          <a:xfrm>
+            <a:off x="623613" y="6521362"/>
+            <a:ext cx="10253576" cy="338554"/>
+          </a:xfrm>
+          <a:prstGeom prst="rect">
+            <a:avLst/>
+          </a:prstGeom>
+          <a:noFill/>
+        </p:spPr>
+        <p:txBody>
+          <a:bodyPr wrap="none" rtlCol="0">
+            <a:spAutoFit/>
+          </a:bodyPr>
+          <a:lstStyle/>
+          <a:p>
+            <a:r>
+              <a:rPr lang="en-US" sz="1600" dirty="0"/>
+              <a:t>Girard, Nicolas, et al. "Polygonal Building Segmentation by Frame Field Learning." </a:t>
+            </a:r>
+            <a:r>
+              <a:rPr lang="en-US" sz="1600" i="1" dirty="0" err="1"/>
+              <a:t>arXiv</a:t>
+            </a:r>
+            <a:r>
+              <a:rPr lang="en-US" sz="1600" i="1" dirty="0"/>
+              <a:t> preprint arXiv:2004.14875</a:t>
+            </a:r>
+            <a:r>
+              <a:rPr lang="en-US" sz="1600" dirty="0"/>
+              <a:t> (2020).</a:t>
+            </a:r>
+            <a:endParaRPr lang="en-US" sz="1600" dirty="0"/>
+          </a:p>
+        </p:txBody>
+      </p:sp>
     </p:spTree>
     <p:extLst>
       <p:ext uri="{BB962C8B-B14F-4D97-AF65-F5344CB8AC3E}">
@@ -17098,14 +17073,6 @@
               </a:rPr>
               <a:t>Some results (edges only)</a:t>
             </a:r>
-            <a:endParaRPr lang="en-US" sz="2400" dirty="0" smtClean="0">
-              <a:solidFill>
-                <a:srgbClr val="002060"/>
-              </a:solidFill>
-              <a:latin typeface="Tahoma" panose="020B0604030504040204" pitchFamily="34" charset="0"/>
-              <a:ea typeface="Tahoma" panose="020B0604030504040204" pitchFamily="34" charset="0"/>
-              <a:cs typeface="Tahoma" panose="020B0604030504040204" pitchFamily="34" charset="0"/>
-            </a:endParaRPr>
           </a:p>
           <a:p>
             <a:endParaRPr lang="en-US" dirty="0">
@@ -17510,14 +17477,6 @@
               </a:rPr>
               <a:t>Some results (edges only)</a:t>
             </a:r>
-            <a:endParaRPr lang="en-US" sz="2400" dirty="0" smtClean="0">
-              <a:solidFill>
-                <a:srgbClr val="002060"/>
-              </a:solidFill>
-              <a:latin typeface="Tahoma" panose="020B0604030504040204" pitchFamily="34" charset="0"/>
-              <a:ea typeface="Tahoma" panose="020B0604030504040204" pitchFamily="34" charset="0"/>
-              <a:cs typeface="Tahoma" panose="020B0604030504040204" pitchFamily="34" charset="0"/>
-            </a:endParaRPr>
           </a:p>
           <a:p>
             <a:endParaRPr lang="en-US" dirty="0">
@@ -17922,14 +17881,6 @@
               </a:rPr>
               <a:t>Some results (edges only)</a:t>
             </a:r>
-            <a:endParaRPr lang="en-US" sz="2400" dirty="0" smtClean="0">
-              <a:solidFill>
-                <a:srgbClr val="002060"/>
-              </a:solidFill>
-              <a:latin typeface="Tahoma" panose="020B0604030504040204" pitchFamily="34" charset="0"/>
-              <a:ea typeface="Tahoma" panose="020B0604030504040204" pitchFamily="34" charset="0"/>
-              <a:cs typeface="Tahoma" panose="020B0604030504040204" pitchFamily="34" charset="0"/>
-            </a:endParaRPr>
           </a:p>
           <a:p>
             <a:endParaRPr lang="en-US" dirty="0">
